--- a/UnitTesting_AgileMeter.pptx
+++ b/UnitTesting_AgileMeter.pptx
@@ -16184,16 +16184,16 @@
 <file path=customXml/itemProps3.xml><?xml version="1.0" encoding="utf-8"?>
 <ds:datastoreItem xmlns:ds="http://schemas.openxmlformats.org/officeDocument/2006/customXml" ds:itemID="{7D3687F4-9634-4E23-9155-2F77D7D79B16}">
   <ds:schemaRefs>
-    <ds:schemaRef ds:uri="http://purl.org/dc/terms/"/>
+    <ds:schemaRef ds:uri="http://purl.org/dc/dcmitype/"/>
     <ds:schemaRef ds:uri="http://schemas.openxmlformats.org/package/2006/metadata/core-properties"/>
-    <ds:schemaRef ds:uri="http://schemas.microsoft.com/office/2006/documentManagement/types"/>
+    <ds:schemaRef ds:uri="http://purl.org/dc/elements/1.1/"/>
     <ds:schemaRef ds:uri="http://schemas.microsoft.com/office/infopath/2007/PartnerControls"/>
     <ds:schemaRef ds:uri="2a2539de-b792-493d-be06-3c065dea1023"/>
-    <ds:schemaRef ds:uri="http://purl.org/dc/elements/1.1/"/>
+    <ds:schemaRef ds:uri="http://schemas.microsoft.com/office/2006/documentManagement/types"/>
+    <ds:schemaRef ds:uri="http://purl.org/dc/terms/"/>
+    <ds:schemaRef ds:uri="4982ca6b-6b37-4c7e-850e-95ff6f427d49"/>
     <ds:schemaRef ds:uri="http://schemas.microsoft.com/office/2006/metadata/properties"/>
-    <ds:schemaRef ds:uri="4982ca6b-6b37-4c7e-850e-95ff6f427d49"/>
     <ds:schemaRef ds:uri="http://www.w3.org/XML/1998/namespace"/>
-    <ds:schemaRef ds:uri="http://purl.org/dc/dcmitype/"/>
   </ds:schemaRefs>
 </ds:datastoreItem>
 </file>